--- a/rapport.pptx
+++ b/rapport.pptx
@@ -118,6 +118,11 @@
       </a:defRPr>
     </a:lvl9pPr>
   </p:defaultTextStyle>
+  <p:extLst>
+    <p:ext uri="{EFAFB233-063F-42B5-8137-9DF3F51BA10A}">
+      <p15:sldGuideLst xmlns:p15="http://schemas.microsoft.com/office/powerpoint/2012/main"/>
+    </p:ext>
+  </p:extLst>
 </p:presentation>
 </file>
 
@@ -3642,7 +3647,7 @@
           <a:lstStyle/>
           <a:p>
             <a:r>
-              <a:rPr lang="fr-FR">
+              <a:rPr lang="fr-FR" dirty="0">
                 <a:solidFill>
                   <a:schemeClr val="tx1"/>
                 </a:solidFill>
@@ -3651,7 +3656,7 @@
               <a:t>Sujet : </a:t>
             </a:r>
             <a:r>
-              <a:rPr lang="en-US">
+              <a:rPr lang="en-US" dirty="0">
                 <a:solidFill>
                   <a:schemeClr val="tx1"/>
                 </a:solidFill>
@@ -3659,7 +3664,7 @@
               </a:rPr>
               <a:t>Smartphone-Based Recognition of Human Activities and Postural Transitions</a:t>
             </a:r>
-            <a:endParaRPr lang="fr-FR">
+            <a:endParaRPr lang="fr-FR" dirty="0">
               <a:solidFill>
                 <a:schemeClr val="tx1"/>
               </a:solidFill>
@@ -3667,7 +3672,7 @@
             </a:endParaRPr>
           </a:p>
           <a:p>
-            <a:endParaRPr lang="fr-FR">
+            <a:endParaRPr lang="fr-FR" dirty="0">
               <a:solidFill>
                 <a:schemeClr val="tx1"/>
               </a:solidFill>
@@ -3728,7 +3733,9 @@
           <a:lstStyle/>
           <a:p>
             <a:r>
-              <a:rPr lang="fr-FR" dirty="0"/>
+              <a:rPr lang="fr-FR" dirty="0">
+                <a:latin typeface="Abadi" panose="020B0604020104020204" pitchFamily="34" charset="0"/>
+              </a:rPr>
               <a:t>Régression Logistique</a:t>
             </a:r>
           </a:p>
@@ -3756,19 +3763,25 @@
           <a:lstStyle/>
           <a:p>
             <a:r>
-              <a:rPr lang="fr-FR" dirty="0"/>
+              <a:rPr lang="fr-FR" dirty="0">
+                <a:latin typeface="Abadi" panose="020B0604020104020204" pitchFamily="34" charset="0"/>
+              </a:rPr>
               <a:t>Pour la régression logistique, je n’ai pas fait de recherche de paramètre.</a:t>
             </a:r>
           </a:p>
           <a:p>
             <a:r>
-              <a:rPr lang="fr-FR" dirty="0"/>
+              <a:rPr lang="fr-FR" dirty="0">
+                <a:latin typeface="Abadi" panose="020B0604020104020204" pitchFamily="34" charset="0"/>
+              </a:rPr>
               <a:t>Précision = 97%</a:t>
             </a:r>
           </a:p>
           <a:p>
             <a:r>
-              <a:rPr lang="fr-FR" dirty="0"/>
+              <a:rPr lang="fr-FR" dirty="0">
+                <a:latin typeface="Abadi" panose="020B0604020104020204" pitchFamily="34" charset="0"/>
+              </a:rPr>
               <a:t>MSE = 0.16</a:t>
             </a:r>
           </a:p>
@@ -3841,10 +3854,14 @@
           <a:lstStyle/>
           <a:p>
             <a:r>
-              <a:rPr lang="fr-FR" dirty="0" err="1"/>
+              <a:rPr lang="fr-FR" dirty="0" err="1">
+                <a:latin typeface="Abadi" panose="020B0604020104020204" pitchFamily="34" charset="0"/>
+              </a:rPr>
               <a:t>XGBoost</a:t>
             </a:r>
-            <a:endParaRPr lang="fr-FR" dirty="0"/>
+            <a:endParaRPr lang="fr-FR" dirty="0">
+              <a:latin typeface="Abadi" panose="020B0604020104020204" pitchFamily="34" charset="0"/>
+            </a:endParaRPr>
           </a:p>
         </p:txBody>
       </p:sp>
@@ -3880,39 +3897,57 @@
               <a:buNone/>
             </a:pPr>
             <a:r>
-              <a:rPr lang="en-US" dirty="0"/>
+              <a:rPr lang="en-US" dirty="0">
+                <a:latin typeface="Abadi" panose="020B0604020104020204" pitchFamily="34" charset="0"/>
+              </a:rPr>
               <a:t>Pour le </a:t>
             </a:r>
             <a:r>
-              <a:rPr lang="en-US" dirty="0" err="1"/>
+              <a:rPr lang="en-US" dirty="0" err="1">
+                <a:latin typeface="Abadi" panose="020B0604020104020204" pitchFamily="34" charset="0"/>
+              </a:rPr>
               <a:t>XGBoost</a:t>
             </a:r>
             <a:r>
-              <a:rPr lang="en-US" dirty="0"/>
+              <a:rPr lang="en-US" dirty="0">
+                <a:latin typeface="Abadi" panose="020B0604020104020204" pitchFamily="34" charset="0"/>
+              </a:rPr>
               <a:t>, le </a:t>
             </a:r>
             <a:r>
-              <a:rPr lang="en-US" dirty="0" err="1"/>
+              <a:rPr lang="en-US" dirty="0" err="1">
+                <a:latin typeface="Abadi" panose="020B0604020104020204" pitchFamily="34" charset="0"/>
+              </a:rPr>
               <a:t>paramètre</a:t>
             </a:r>
             <a:r>
-              <a:rPr lang="en-US" dirty="0"/>
+              <a:rPr lang="en-US" dirty="0">
+                <a:latin typeface="Abadi" panose="020B0604020104020204" pitchFamily="34" charset="0"/>
+              </a:rPr>
               <a:t> </a:t>
             </a:r>
             <a:r>
-              <a:rPr lang="en-US" dirty="0" err="1"/>
+              <a:rPr lang="en-US" dirty="0" err="1">
+                <a:latin typeface="Abadi" panose="020B0604020104020204" pitchFamily="34" charset="0"/>
+              </a:rPr>
               <a:t>modifié</a:t>
             </a:r>
             <a:r>
-              <a:rPr lang="en-US" dirty="0"/>
+              <a:rPr lang="en-US" dirty="0">
+                <a:latin typeface="Abadi" panose="020B0604020104020204" pitchFamily="34" charset="0"/>
+              </a:rPr>
               <a:t> </a:t>
             </a:r>
             <a:r>
-              <a:rPr lang="en-US" dirty="0" err="1"/>
+              <a:rPr lang="en-US" dirty="0" err="1">
+                <a:latin typeface="Abadi" panose="020B0604020104020204" pitchFamily="34" charset="0"/>
+              </a:rPr>
               <a:t>est</a:t>
             </a:r>
             <a:r>
-              <a:rPr lang="en-US" dirty="0"/>
+              <a:rPr lang="en-US" dirty="0">
+                <a:latin typeface="Abadi" panose="020B0604020104020204" pitchFamily="34" charset="0"/>
+              </a:rPr>
               <a:t> :</a:t>
             </a:r>
           </a:p>
@@ -3921,15 +3956,21 @@
               <a:buNone/>
             </a:pPr>
             <a:r>
-              <a:rPr lang="en-US" dirty="0"/>
+              <a:rPr lang="en-US" dirty="0">
+                <a:latin typeface="Abadi" panose="020B0604020104020204" pitchFamily="34" charset="0"/>
+              </a:rPr>
               <a:t>“</a:t>
             </a:r>
             <a:r>
-              <a:rPr lang="en-US" dirty="0" err="1"/>
+              <a:rPr lang="en-US" dirty="0" err="1">
+                <a:latin typeface="Abadi" panose="020B0604020104020204" pitchFamily="34" charset="0"/>
+              </a:rPr>
               <a:t>n_estimators</a:t>
             </a:r>
             <a:r>
-              <a:rPr lang="en-US" dirty="0"/>
+              <a:rPr lang="en-US" dirty="0">
+                <a:latin typeface="Abadi" panose="020B0604020104020204" pitchFamily="34" charset="0"/>
+              </a:rPr>
               <a:t>”</a:t>
             </a:r>
           </a:p>
@@ -3938,63 +3979,93 @@
               <a:buNone/>
             </a:pPr>
             <a:r>
-              <a:rPr lang="en-US" dirty="0"/>
+              <a:rPr lang="en-US" dirty="0">
+                <a:latin typeface="Abadi" panose="020B0604020104020204" pitchFamily="34" charset="0"/>
+              </a:rPr>
               <a:t>Le </a:t>
             </a:r>
             <a:r>
-              <a:rPr lang="en-US" dirty="0" err="1"/>
+              <a:rPr lang="en-US" dirty="0" err="1">
+                <a:latin typeface="Abadi" panose="020B0604020104020204" pitchFamily="34" charset="0"/>
+              </a:rPr>
               <a:t>meilleur</a:t>
             </a:r>
             <a:r>
-              <a:rPr lang="en-US" dirty="0"/>
+              <a:rPr lang="en-US" dirty="0">
+                <a:latin typeface="Abadi" panose="020B0604020104020204" pitchFamily="34" charset="0"/>
+              </a:rPr>
               <a:t> </a:t>
             </a:r>
             <a:r>
-              <a:rPr lang="en-US" dirty="0" err="1"/>
+              <a:rPr lang="en-US" dirty="0" err="1">
+                <a:latin typeface="Abadi" panose="020B0604020104020204" pitchFamily="34" charset="0"/>
+              </a:rPr>
               <a:t>résultat</a:t>
             </a:r>
             <a:r>
-              <a:rPr lang="en-US" dirty="0"/>
+              <a:rPr lang="en-US" dirty="0">
+                <a:latin typeface="Abadi" panose="020B0604020104020204" pitchFamily="34" charset="0"/>
+              </a:rPr>
               <a:t> </a:t>
             </a:r>
             <a:r>
-              <a:rPr lang="en-US" dirty="0" err="1"/>
+              <a:rPr lang="en-US" dirty="0" err="1">
+                <a:latin typeface="Abadi" panose="020B0604020104020204" pitchFamily="34" charset="0"/>
+              </a:rPr>
               <a:t>obtenu</a:t>
             </a:r>
             <a:r>
-              <a:rPr lang="en-US" dirty="0"/>
+              <a:rPr lang="en-US" dirty="0">
+                <a:latin typeface="Abadi" panose="020B0604020104020204" pitchFamily="34" charset="0"/>
+              </a:rPr>
               <a:t> </a:t>
             </a:r>
             <a:r>
-              <a:rPr lang="en-US" dirty="0" err="1"/>
+              <a:rPr lang="en-US" dirty="0" err="1">
+                <a:latin typeface="Abadi" panose="020B0604020104020204" pitchFamily="34" charset="0"/>
+              </a:rPr>
               <a:t>est</a:t>
             </a:r>
             <a:r>
-              <a:rPr lang="en-US" dirty="0"/>
+              <a:rPr lang="en-US" dirty="0">
+                <a:latin typeface="Abadi" panose="020B0604020104020204" pitchFamily="34" charset="0"/>
+              </a:rPr>
               <a:t> pour </a:t>
             </a:r>
             <a:r>
-              <a:rPr lang="en-US" dirty="0" err="1"/>
+              <a:rPr lang="en-US" dirty="0" err="1">
+                <a:latin typeface="Abadi" panose="020B0604020104020204" pitchFamily="34" charset="0"/>
+              </a:rPr>
               <a:t>une</a:t>
             </a:r>
             <a:r>
-              <a:rPr lang="en-US" dirty="0"/>
+              <a:rPr lang="en-US" dirty="0">
+                <a:latin typeface="Abadi" panose="020B0604020104020204" pitchFamily="34" charset="0"/>
+              </a:rPr>
               <a:t> </a:t>
             </a:r>
             <a:r>
-              <a:rPr lang="en-US" dirty="0" err="1"/>
+              <a:rPr lang="en-US" dirty="0" err="1">
+                <a:latin typeface="Abadi" panose="020B0604020104020204" pitchFamily="34" charset="0"/>
+              </a:rPr>
               <a:t>valeur</a:t>
             </a:r>
             <a:r>
-              <a:rPr lang="en-US" dirty="0"/>
+              <a:rPr lang="en-US" dirty="0">
+                <a:latin typeface="Abadi" panose="020B0604020104020204" pitchFamily="34" charset="0"/>
+              </a:rPr>
               <a:t> de </a:t>
             </a:r>
             <a:r>
-              <a:rPr lang="en-US" dirty="0" err="1"/>
+              <a:rPr lang="en-US" dirty="0" err="1">
+                <a:latin typeface="Abadi" panose="020B0604020104020204" pitchFamily="34" charset="0"/>
+              </a:rPr>
               <a:t>n_estimators</a:t>
             </a:r>
             <a:r>
-              <a:rPr lang="en-US" dirty="0"/>
+              <a:rPr lang="en-US" dirty="0">
+                <a:latin typeface="Abadi" panose="020B0604020104020204" pitchFamily="34" charset="0"/>
+              </a:rPr>
               <a:t> = 500</a:t>
             </a:r>
           </a:p>
@@ -4002,14 +4073,18 @@
             <a:pPr marL="0" indent="0">
               <a:buNone/>
             </a:pPr>
-            <a:endParaRPr lang="en-US" dirty="0"/>
+            <a:endParaRPr lang="en-US" dirty="0">
+              <a:latin typeface="Abadi" panose="020B0604020104020204" pitchFamily="34" charset="0"/>
+            </a:endParaRPr>
           </a:p>
           <a:p>
             <a:pPr marL="0" indent="0">
               <a:buNone/>
             </a:pPr>
             <a:r>
-              <a:rPr lang="fr-FR" dirty="0"/>
+              <a:rPr lang="fr-FR" dirty="0">
+                <a:latin typeface="Abadi" panose="020B0604020104020204" pitchFamily="34" charset="0"/>
+              </a:rPr>
               <a:t>Les meilleurs résultats sont :</a:t>
             </a:r>
           </a:p>
@@ -4019,7 +4094,9 @@
               <a:buChar char="-"/>
             </a:pPr>
             <a:r>
-              <a:rPr lang="fr-FR" dirty="0"/>
+              <a:rPr lang="fr-FR" dirty="0">
+                <a:latin typeface="Abadi" panose="020B0604020104020204" pitchFamily="34" charset="0"/>
+              </a:rPr>
               <a:t>MSE = 0.12</a:t>
             </a:r>
           </a:p>
@@ -4029,7 +4106,9 @@
               <a:buChar char="-"/>
             </a:pPr>
             <a:r>
-              <a:rPr lang="fr-FR" dirty="0"/>
+              <a:rPr lang="fr-FR" dirty="0">
+                <a:latin typeface="Abadi" panose="020B0604020104020204" pitchFamily="34" charset="0"/>
+              </a:rPr>
               <a:t>Précision = 98%</a:t>
             </a:r>
           </a:p>
@@ -4232,11 +4311,15 @@
           <a:lstStyle/>
           <a:p>
             <a:r>
-              <a:rPr lang="fr-FR" dirty="0" err="1"/>
+              <a:rPr lang="fr-FR" dirty="0" err="1">
+                <a:latin typeface="Abadi" panose="020B0604020104020204" pitchFamily="34" charset="0"/>
+              </a:rPr>
               <a:t>Random</a:t>
             </a:r>
             <a:r>
-              <a:rPr lang="fr-FR" dirty="0"/>
+              <a:rPr lang="fr-FR" dirty="0">
+                <a:latin typeface="Abadi" panose="020B0604020104020204" pitchFamily="34" charset="0"/>
+              </a:rPr>
               <a:t> Forest</a:t>
             </a:r>
           </a:p>
@@ -4271,52 +4354,74 @@
           <a:lstStyle/>
           <a:p>
             <a:r>
-              <a:rPr lang="fr-FR" dirty="0"/>
+              <a:rPr lang="fr-FR" dirty="0">
+                <a:latin typeface="Abadi" panose="020B0604020104020204" pitchFamily="34" charset="0"/>
+              </a:rPr>
               <a:t>Pour </a:t>
             </a:r>
             <a:r>
-              <a:rPr lang="fr-FR" dirty="0" err="1"/>
+              <a:rPr lang="fr-FR" dirty="0" err="1">
+                <a:latin typeface="Abadi" panose="020B0604020104020204" pitchFamily="34" charset="0"/>
+              </a:rPr>
               <a:t>Random</a:t>
             </a:r>
             <a:r>
-              <a:rPr lang="fr-FR" dirty="0"/>
+              <a:rPr lang="fr-FR" dirty="0">
+                <a:latin typeface="Abadi" panose="020B0604020104020204" pitchFamily="34" charset="0"/>
+              </a:rPr>
               <a:t> Forest, le paramètre modifié est : « </a:t>
             </a:r>
             <a:r>
-              <a:rPr lang="fr-FR" dirty="0" err="1"/>
+              <a:rPr lang="fr-FR" dirty="0" err="1">
+                <a:latin typeface="Abadi" panose="020B0604020104020204" pitchFamily="34" charset="0"/>
+              </a:rPr>
               <a:t>n_estimators</a:t>
             </a:r>
             <a:r>
-              <a:rPr lang="fr-FR" dirty="0"/>
+              <a:rPr lang="fr-FR" dirty="0">
+                <a:latin typeface="Abadi" panose="020B0604020104020204" pitchFamily="34" charset="0"/>
+              </a:rPr>
               <a:t> »</a:t>
             </a:r>
           </a:p>
           <a:p>
             <a:r>
-              <a:rPr lang="fr-FR" dirty="0"/>
+              <a:rPr lang="fr-FR" dirty="0">
+                <a:latin typeface="Abadi" panose="020B0604020104020204" pitchFamily="34" charset="0"/>
+              </a:rPr>
               <a:t>Les meilleurs résultat sont atteint pour </a:t>
             </a:r>
             <a:r>
-              <a:rPr lang="fr-FR" dirty="0" err="1"/>
+              <a:rPr lang="fr-FR" dirty="0" err="1">
+                <a:latin typeface="Abadi" panose="020B0604020104020204" pitchFamily="34" charset="0"/>
+              </a:rPr>
               <a:t>n_estimators</a:t>
             </a:r>
             <a:r>
-              <a:rPr lang="fr-FR" dirty="0"/>
+              <a:rPr lang="fr-FR" dirty="0">
+                <a:latin typeface="Abadi" panose="020B0604020104020204" pitchFamily="34" charset="0"/>
+              </a:rPr>
               <a:t> = 100</a:t>
             </a:r>
           </a:p>
           <a:p>
-            <a:endParaRPr lang="fr-FR" dirty="0"/>
-          </a:p>
-          <a:p>
-            <a:r>
-              <a:rPr lang="fr-FR" dirty="0"/>
+            <a:endParaRPr lang="fr-FR" dirty="0">
+              <a:latin typeface="Abadi" panose="020B0604020104020204" pitchFamily="34" charset="0"/>
+            </a:endParaRPr>
+          </a:p>
+          <a:p>
+            <a:r>
+              <a:rPr lang="fr-FR" dirty="0">
+                <a:latin typeface="Abadi" panose="020B0604020104020204" pitchFamily="34" charset="0"/>
+              </a:rPr>
               <a:t>Précision = 97%</a:t>
             </a:r>
           </a:p>
           <a:p>
             <a:r>
-              <a:rPr lang="fr-FR" dirty="0"/>
+              <a:rPr lang="fr-FR" dirty="0">
+                <a:latin typeface="Abadi" panose="020B0604020104020204" pitchFamily="34" charset="0"/>
+              </a:rPr>
               <a:t>MSE = 0.16</a:t>
             </a:r>
           </a:p>
@@ -4742,19 +4847,27 @@
           <a:lstStyle/>
           <a:p>
             <a:r>
-              <a:rPr lang="fr-FR" dirty="0" err="1"/>
+              <a:rPr lang="fr-FR" dirty="0" err="1">
+                <a:latin typeface="Abadi" panose="020B0604020104020204" pitchFamily="34" charset="0"/>
+              </a:rPr>
               <a:t>Random</a:t>
             </a:r>
             <a:r>
-              <a:rPr lang="fr-FR" dirty="0"/>
+              <a:rPr lang="fr-FR" dirty="0">
+                <a:latin typeface="Abadi" panose="020B0604020104020204" pitchFamily="34" charset="0"/>
+              </a:rPr>
               <a:t> Forest </a:t>
             </a:r>
             <a:r>
-              <a:rPr lang="fr-FR" dirty="0" err="1"/>
+              <a:rPr lang="fr-FR" dirty="0" err="1">
+                <a:latin typeface="Abadi" panose="020B0604020104020204" pitchFamily="34" charset="0"/>
+              </a:rPr>
               <a:t>Feature</a:t>
             </a:r>
             <a:r>
-              <a:rPr lang="fr-FR" dirty="0"/>
+              <a:rPr lang="fr-FR" dirty="0">
+                <a:latin typeface="Abadi" panose="020B0604020104020204" pitchFamily="34" charset="0"/>
+              </a:rPr>
               <a:t> importance</a:t>
             </a:r>
           </a:p>
@@ -4787,31 +4900,45 @@
           <a:lstStyle/>
           <a:p>
             <a:r>
-              <a:rPr lang="fr-FR" dirty="0"/>
+              <a:rPr lang="fr-FR" dirty="0">
+                <a:latin typeface="Abadi" panose="020B0604020104020204" pitchFamily="34" charset="0"/>
+              </a:rPr>
               <a:t>Pour </a:t>
             </a:r>
             <a:r>
-              <a:rPr lang="fr-FR" dirty="0" err="1"/>
+              <a:rPr lang="fr-FR" dirty="0" err="1">
+                <a:latin typeface="Abadi" panose="020B0604020104020204" pitchFamily="34" charset="0"/>
+              </a:rPr>
               <a:t>Random</a:t>
             </a:r>
             <a:r>
-              <a:rPr lang="fr-FR" dirty="0"/>
+              <a:rPr lang="fr-FR" dirty="0">
+                <a:latin typeface="Abadi" panose="020B0604020104020204" pitchFamily="34" charset="0"/>
+              </a:rPr>
               <a:t> </a:t>
             </a:r>
             <a:r>
-              <a:rPr lang="fr-FR" dirty="0" err="1"/>
+              <a:rPr lang="fr-FR" dirty="0" err="1">
+                <a:latin typeface="Abadi" panose="020B0604020104020204" pitchFamily="34" charset="0"/>
+              </a:rPr>
               <a:t>forest</a:t>
             </a:r>
             <a:r>
-              <a:rPr lang="fr-FR" dirty="0"/>
+              <a:rPr lang="fr-FR" dirty="0">
+                <a:latin typeface="Abadi" panose="020B0604020104020204" pitchFamily="34" charset="0"/>
+              </a:rPr>
               <a:t>, on regarde l’importance des </a:t>
             </a:r>
             <a:r>
-              <a:rPr lang="fr-FR" dirty="0" err="1"/>
+              <a:rPr lang="fr-FR" dirty="0" err="1">
+                <a:latin typeface="Abadi" panose="020B0604020104020204" pitchFamily="34" charset="0"/>
+              </a:rPr>
               <a:t>features</a:t>
             </a:r>
             <a:r>
-              <a:rPr lang="fr-FR" dirty="0"/>
+              <a:rPr lang="fr-FR" dirty="0">
+                <a:latin typeface="Abadi" panose="020B0604020104020204" pitchFamily="34" charset="0"/>
+              </a:rPr>
               <a:t>, pour comparer avec celle de la corrélation d’avant.</a:t>
             </a:r>
           </a:p>
@@ -4899,7 +5026,9 @@
           <a:lstStyle/>
           <a:p>
             <a:r>
-              <a:rPr lang="fr-FR" dirty="0"/>
+              <a:rPr lang="fr-FR" dirty="0">
+                <a:latin typeface="Abadi" panose="020B0604020104020204" pitchFamily="34" charset="0"/>
+              </a:rPr>
               <a:t>API</a:t>
             </a:r>
           </a:p>
@@ -4927,65 +5056,93 @@
           <a:lstStyle/>
           <a:p>
             <a:r>
-              <a:rPr lang="fr-FR" dirty="0"/>
+              <a:rPr lang="fr-FR" dirty="0">
+                <a:latin typeface="Abadi" panose="020B0604020104020204" pitchFamily="34" charset="0"/>
+              </a:rPr>
               <a:t>J’ai développé l’API en </a:t>
             </a:r>
             <a:r>
-              <a:rPr lang="fr-FR" dirty="0" err="1"/>
+              <a:rPr lang="fr-FR" dirty="0" err="1">
+                <a:latin typeface="Abadi" panose="020B0604020104020204" pitchFamily="34" charset="0"/>
+              </a:rPr>
               <a:t>django</a:t>
             </a:r>
             <a:r>
-              <a:rPr lang="fr-FR" dirty="0"/>
+              <a:rPr lang="fr-FR" dirty="0">
+                <a:latin typeface="Abadi" panose="020B0604020104020204" pitchFamily="34" charset="0"/>
+              </a:rPr>
               <a:t>, car il est simple d’utilisation, pour des API de ce genre ou on souhaite juste faire des prédiction.</a:t>
             </a:r>
           </a:p>
           <a:p>
             <a:r>
-              <a:rPr lang="fr-FR" dirty="0"/>
+              <a:rPr lang="fr-FR" dirty="0">
+                <a:latin typeface="Abadi" panose="020B0604020104020204" pitchFamily="34" charset="0"/>
+              </a:rPr>
               <a:t>L’api contient 3 </a:t>
             </a:r>
             <a:r>
-              <a:rPr lang="fr-FR" dirty="0" err="1"/>
+              <a:rPr lang="fr-FR" dirty="0" err="1">
+                <a:latin typeface="Abadi" panose="020B0604020104020204" pitchFamily="34" charset="0"/>
+              </a:rPr>
               <a:t>endpoint</a:t>
             </a:r>
             <a:r>
-              <a:rPr lang="fr-FR" dirty="0"/>
+              <a:rPr lang="fr-FR" dirty="0">
+                <a:latin typeface="Abadi" panose="020B0604020104020204" pitchFamily="34" charset="0"/>
+              </a:rPr>
               <a:t>, un pour chaque modèle. Les modèle auront été entrainé auparavant puis sauvegardé dans des fichiers.</a:t>
             </a:r>
           </a:p>
           <a:p>
             <a:r>
-              <a:rPr lang="fr-FR" dirty="0"/>
+              <a:rPr lang="fr-FR" dirty="0">
+                <a:latin typeface="Abadi" panose="020B0604020104020204" pitchFamily="34" charset="0"/>
+              </a:rPr>
               <a:t>A chaque fois qu’un </a:t>
             </a:r>
             <a:r>
-              <a:rPr lang="fr-FR" dirty="0" err="1"/>
+              <a:rPr lang="fr-FR" dirty="0" err="1">
+                <a:latin typeface="Abadi" panose="020B0604020104020204" pitchFamily="34" charset="0"/>
+              </a:rPr>
               <a:t>endpoint</a:t>
             </a:r>
             <a:r>
-              <a:rPr lang="fr-FR" dirty="0"/>
+              <a:rPr lang="fr-FR" dirty="0">
+                <a:latin typeface="Abadi" panose="020B0604020104020204" pitchFamily="34" charset="0"/>
+              </a:rPr>
               <a:t> est appelé par un client, le modèle est chargé dans une variable, puis renvois une prédiction à partir des paramètre envoyés.</a:t>
             </a:r>
           </a:p>
           <a:p>
             <a:r>
-              <a:rPr lang="fr-FR" dirty="0"/>
+              <a:rPr lang="fr-FR" dirty="0">
+                <a:latin typeface="Abadi" panose="020B0604020104020204" pitchFamily="34" charset="0"/>
+              </a:rPr>
               <a:t>Pour cette API, j’ai choisi de la développer comme si elle allait être utiliser par des objets connecté pour prévoir l’activité de l’utilisateur. Pour cela, chaque requête doit contenir en </a:t>
             </a:r>
             <a:r>
-              <a:rPr lang="fr-FR" dirty="0" err="1"/>
+              <a:rPr lang="fr-FR" dirty="0" err="1">
+                <a:latin typeface="Abadi" panose="020B0604020104020204" pitchFamily="34" charset="0"/>
+              </a:rPr>
               <a:t>parqqmètre</a:t>
             </a:r>
             <a:r>
-              <a:rPr lang="fr-FR" dirty="0"/>
+              <a:rPr lang="fr-FR" dirty="0">
+                <a:latin typeface="Abadi" panose="020B0604020104020204" pitchFamily="34" charset="0"/>
+              </a:rPr>
               <a:t> toutes les </a:t>
             </a:r>
             <a:r>
-              <a:rPr lang="fr-FR" dirty="0" err="1"/>
+              <a:rPr lang="fr-FR" dirty="0" err="1">
+                <a:latin typeface="Abadi" panose="020B0604020104020204" pitchFamily="34" charset="0"/>
+              </a:rPr>
               <a:t>features</a:t>
             </a:r>
             <a:r>
-              <a:rPr lang="fr-FR" dirty="0"/>
+              <a:rPr lang="fr-FR" dirty="0">
+                <a:latin typeface="Abadi" panose="020B0604020104020204" pitchFamily="34" charset="0"/>
+              </a:rPr>
               <a:t> ainsi que leur valeur. </a:t>
             </a:r>
           </a:p>
@@ -5043,7 +5200,9 @@
           <a:lstStyle/>
           <a:p>
             <a:r>
-              <a:rPr lang="fr-FR" dirty="0"/>
+              <a:rPr lang="fr-FR" dirty="0">
+                <a:latin typeface="Abadi" panose="020B0604020104020204" pitchFamily="34" charset="0"/>
+              </a:rPr>
               <a:t>API</a:t>
             </a:r>
           </a:p>
@@ -5071,22 +5230,67 @@
           <a:lstStyle/>
           <a:p>
             <a:r>
-              <a:rPr lang="fr-FR" dirty="0"/>
+              <a:rPr lang="fr-FR" dirty="0">
+                <a:latin typeface="Abadi" panose="020B0604020104020204" pitchFamily="34" charset="0"/>
+              </a:rPr>
               <a:t>Pour ne pas avoir à rentré les 560 valeurs à chaque fois, j’ai créé une méthode permettant de généré la requête à partir d’une ligne de la dataset de test (avec la quelle le modèle n’a pas été entrainé).</a:t>
             </a:r>
           </a:p>
           <a:p>
             <a:r>
-              <a:rPr lang="fr-FR" dirty="0"/>
+              <a:rPr lang="fr-FR" dirty="0">
+                <a:latin typeface="Abadi" panose="020B0604020104020204" pitchFamily="34" charset="0"/>
+              </a:rPr>
               <a:t>L’utilisateur choisit l’index de la ligne de la dataset dont il souhaite avoir une prédiction, puis le résultat est affiché dans la console </a:t>
             </a:r>
             <a:r>
-              <a:rPr lang="fr-FR" dirty="0" err="1"/>
+              <a:rPr lang="fr-FR" dirty="0" err="1">
+                <a:latin typeface="Abadi" panose="020B0604020104020204" pitchFamily="34" charset="0"/>
+              </a:rPr>
               <a:t>jupyter</a:t>
             </a:r>
             <a:r>
-              <a:rPr lang="fr-FR" dirty="0"/>
+              <a:rPr lang="fr-FR" dirty="0">
+                <a:latin typeface="Abadi" panose="020B0604020104020204" pitchFamily="34" charset="0"/>
+              </a:rPr>
               <a:t>.</a:t>
+            </a:r>
+          </a:p>
+          <a:p>
+            <a:endParaRPr lang="fr-FR" dirty="0">
+              <a:latin typeface="Abadi" panose="020B0604020104020204" pitchFamily="34" charset="0"/>
+            </a:endParaRPr>
+          </a:p>
+          <a:p>
+            <a:r>
+              <a:rPr lang="fr-FR" dirty="0">
+                <a:latin typeface="Abadi" panose="020B0604020104020204" pitchFamily="34" charset="0"/>
+              </a:rPr>
+              <a:t>*Le fichier </a:t>
+            </a:r>
+            <a:r>
+              <a:rPr lang="fr-FR" dirty="0" err="1">
+                <a:latin typeface="Abadi" panose="020B0604020104020204" pitchFamily="34" charset="0"/>
+              </a:rPr>
+              <a:t>jupyter</a:t>
+            </a:r>
+            <a:r>
+              <a:rPr lang="fr-FR" dirty="0">
+                <a:latin typeface="Abadi" panose="020B0604020104020204" pitchFamily="34" charset="0"/>
+              </a:rPr>
+              <a:t> contenant le code se trouve dans le dossier « </a:t>
+            </a:r>
+            <a:r>
+              <a:rPr lang="fr-FR" dirty="0" err="1">
+                <a:latin typeface="Abadi" panose="020B0604020104020204" pitchFamily="34" charset="0"/>
+              </a:rPr>
+              <a:t>mysite</a:t>
+            </a:r>
+            <a:r>
+              <a:rPr lang="fr-FR" dirty="0">
+                <a:latin typeface="Abadi" panose="020B0604020104020204" pitchFamily="34" charset="0"/>
+              </a:rPr>
+              <a:t> »</a:t>
             </a:r>
           </a:p>
         </p:txBody>
@@ -5264,7 +5468,9 @@
           <a:lstStyle/>
           <a:p>
             <a:r>
-              <a:rPr lang="fr-FR" dirty="0"/>
+              <a:rPr lang="fr-FR" dirty="0">
+                <a:latin typeface="Abadi" panose="020B0604020104020204" pitchFamily="34" charset="0"/>
+              </a:rPr>
               <a:t>Lecture des données</a:t>
             </a:r>
           </a:p>
@@ -5292,35 +5498,49 @@
           <a:lstStyle/>
           <a:p>
             <a:r>
-              <a:rPr lang="fr-FR" dirty="0"/>
+              <a:rPr lang="fr-FR" dirty="0">
+                <a:latin typeface="Abadi" panose="020B0604020104020204" pitchFamily="34" charset="0"/>
+              </a:rPr>
               <a:t>Avant de pouvoir commencer à explorer les données, il faut les charger dans un </a:t>
             </a:r>
             <a:r>
-              <a:rPr lang="fr-FR" dirty="0" err="1"/>
+              <a:rPr lang="fr-FR" dirty="0" err="1">
+                <a:latin typeface="Abadi" panose="020B0604020104020204" pitchFamily="34" charset="0"/>
+              </a:rPr>
               <a:t>DataFrame</a:t>
             </a:r>
             <a:r>
-              <a:rPr lang="fr-FR" dirty="0"/>
+              <a:rPr lang="fr-FR" dirty="0">
+                <a:latin typeface="Abadi" panose="020B0604020104020204" pitchFamily="34" charset="0"/>
+              </a:rPr>
               <a:t>. Cependant les données sont séparées dans plusieurs fichier : le nom des variables, les identifiants utilisateurs, les labels et les enregistrement.</a:t>
             </a:r>
           </a:p>
           <a:p>
             <a:r>
-              <a:rPr lang="fr-FR" dirty="0"/>
+              <a:rPr lang="fr-FR" dirty="0">
+                <a:latin typeface="Abadi" panose="020B0604020104020204" pitchFamily="34" charset="0"/>
+              </a:rPr>
               <a:t>Pour cela j’ai réaliser plusieurs méthode qui permette d’effectuer toute ces opérations rapidement.</a:t>
             </a:r>
           </a:p>
           <a:p>
             <a:r>
-              <a:rPr lang="fr-FR" dirty="0"/>
+              <a:rPr lang="fr-FR" dirty="0">
+                <a:latin typeface="Abadi" panose="020B0604020104020204" pitchFamily="34" charset="0"/>
+              </a:rPr>
               <a:t>Après l’</a:t>
             </a:r>
             <a:r>
-              <a:rPr lang="fr-FR" dirty="0" err="1"/>
+              <a:rPr lang="fr-FR" dirty="0" err="1">
+                <a:latin typeface="Abadi" panose="020B0604020104020204" pitchFamily="34" charset="0"/>
+              </a:rPr>
               <a:t>ourverture</a:t>
             </a:r>
             <a:r>
-              <a:rPr lang="fr-FR" dirty="0"/>
+              <a:rPr lang="fr-FR" dirty="0">
+                <a:latin typeface="Abadi" panose="020B0604020104020204" pitchFamily="34" charset="0"/>
+              </a:rPr>
               <a:t> des données, je me suis rendu compte d’une erreur dans les données. En effet, plusieurs colonnes avait le même nom. Les colonnes sont nommées sous la forme XXX-1, XXX-2, XXX-3 pour les trois axes X,Y et Z. Les colonnes présente plusieurs fois étais toujours présente 3 fois. J’ai donc supposé qu’il y avait eu une erreur dans le numéro de la fin et je les ai renommé pour résoudre ce soucis.</a:t>
             </a:r>
           </a:p>
@@ -5378,7 +5598,9 @@
           <a:lstStyle/>
           <a:p>
             <a:r>
-              <a:rPr lang="fr-FR" dirty="0"/>
+              <a:rPr lang="fr-FR" dirty="0">
+                <a:latin typeface="Abadi" panose="020B0604020104020204" pitchFamily="34" charset="0"/>
+              </a:rPr>
               <a:t>Exploration des données</a:t>
             </a:r>
           </a:p>
@@ -5411,12 +5633,16 @@
           <a:lstStyle/>
           <a:p>
             <a:r>
-              <a:rPr lang="fr-FR" dirty="0"/>
+              <a:rPr lang="fr-FR" dirty="0">
+                <a:latin typeface="Abadi" panose="020B0604020104020204" pitchFamily="34" charset="0"/>
+              </a:rPr>
               <a:t>Cette dataset contient 12 labels différents, on regarde donc la répartition ce ceci. On voit bien ici que les données ne sont pas bien réparti. Cette répartition est expliqué par le fait que les label 1 à 6 correspondent à des positions alors que les labels 7 à 12 correspondent à des transitions de positions. Celle si sont plus courte est donc moins enregistrées dans la dataset </a:t>
             </a:r>
           </a:p>
           <a:p>
-            <a:endParaRPr lang="fr-FR" dirty="0"/>
+            <a:endParaRPr lang="fr-FR" dirty="0">
+              <a:latin typeface="Abadi" panose="020B0604020104020204" pitchFamily="34" charset="0"/>
+            </a:endParaRPr>
           </a:p>
         </p:txBody>
       </p:sp>
@@ -5502,7 +5728,9 @@
           <a:lstStyle/>
           <a:p>
             <a:r>
-              <a:rPr lang="fr-FR" dirty="0"/>
+              <a:rPr lang="fr-FR" dirty="0">
+                <a:latin typeface="Abadi" panose="020B0604020104020204" pitchFamily="34" charset="0"/>
+              </a:rPr>
               <a:t>Exploration des données</a:t>
             </a:r>
           </a:p>
@@ -5530,20 +5758,28 @@
           <a:lstStyle/>
           <a:p>
             <a:r>
-              <a:rPr lang="fr-FR" dirty="0"/>
+              <a:rPr lang="fr-FR" dirty="0">
+                <a:latin typeface="Abadi" panose="020B0604020104020204" pitchFamily="34" charset="0"/>
+              </a:rPr>
               <a:t>Pour avoir un premier aperçu, j’ai réaliser une corrélation su le </a:t>
             </a:r>
             <a:r>
-              <a:rPr lang="fr-FR" dirty="0" err="1"/>
+              <a:rPr lang="fr-FR" dirty="0" err="1">
+                <a:latin typeface="Abadi" panose="020B0604020104020204" pitchFamily="34" charset="0"/>
+              </a:rPr>
               <a:t>Dataframe</a:t>
             </a:r>
             <a:r>
-              <a:rPr lang="fr-FR" dirty="0"/>
+              <a:rPr lang="fr-FR" dirty="0">
+                <a:latin typeface="Abadi" panose="020B0604020104020204" pitchFamily="34" charset="0"/>
+              </a:rPr>
               <a:t>, ce qui a données le résultat suivant</a:t>
             </a:r>
           </a:p>
           <a:p>
-            <a:endParaRPr lang="fr-FR" dirty="0"/>
+            <a:endParaRPr lang="fr-FR" dirty="0">
+              <a:latin typeface="Abadi" panose="020B0604020104020204" pitchFamily="34" charset="0"/>
+            </a:endParaRPr>
           </a:p>
         </p:txBody>
       </p:sp>
@@ -5644,7 +5880,9 @@
           <a:lstStyle/>
           <a:p>
             <a:r>
-              <a:rPr lang="fr-FR" dirty="0"/>
+              <a:rPr lang="fr-FR" dirty="0">
+                <a:latin typeface="Abadi" panose="020B0604020104020204" pitchFamily="34" charset="0"/>
+              </a:rPr>
               <a:t>Exploration des données</a:t>
             </a:r>
           </a:p>
@@ -5679,21 +5917,29 @@
           <a:lstStyle/>
           <a:p>
             <a:r>
-              <a:rPr lang="fr-FR" dirty="0"/>
+              <a:rPr lang="fr-FR" dirty="0">
+                <a:latin typeface="Abadi" panose="020B0604020104020204" pitchFamily="34" charset="0"/>
+              </a:rPr>
               <a:t>J’ai ensuite sélectionner les 4 </a:t>
             </a:r>
             <a:r>
-              <a:rPr lang="fr-FR" dirty="0" err="1"/>
+              <a:rPr lang="fr-FR" dirty="0" err="1">
+                <a:latin typeface="Abadi" panose="020B0604020104020204" pitchFamily="34" charset="0"/>
+              </a:rPr>
               <a:t>features</a:t>
             </a:r>
             <a:r>
-              <a:rPr lang="fr-FR" dirty="0"/>
+              <a:rPr lang="fr-FR" dirty="0">
+                <a:latin typeface="Abadi" panose="020B0604020104020204" pitchFamily="34" charset="0"/>
+              </a:rPr>
               <a:t> ayant la corrélation la plus élevé, puis j’ai tracé la moyenne de ces variables pour chaque label</a:t>
             </a:r>
           </a:p>
           <a:p>
             <a:r>
-              <a:rPr lang="fr-FR" dirty="0"/>
+              <a:rPr lang="fr-FR" dirty="0">
+                <a:latin typeface="Abadi" panose="020B0604020104020204" pitchFamily="34" charset="0"/>
+              </a:rPr>
               <a:t>On voit ici que pour les label 4,5 et 6, la plupart des ces variables on des moyenne similaire. Cependant, la variable tGravityAcc-max-2 pourra être utiliser pour différencier les labels</a:t>
             </a:r>
           </a:p>
@@ -5811,11 +6057,15 @@
           <a:lstStyle/>
           <a:p>
             <a:r>
-              <a:rPr lang="fr-FR" dirty="0" err="1"/>
+              <a:rPr lang="fr-FR" dirty="0" err="1">
+                <a:latin typeface="Abadi" panose="020B0604020104020204" pitchFamily="34" charset="0"/>
+              </a:rPr>
               <a:t>Features</a:t>
             </a:r>
             <a:r>
-              <a:rPr lang="fr-FR" dirty="0"/>
+              <a:rPr lang="fr-FR" dirty="0">
+                <a:latin typeface="Abadi" panose="020B0604020104020204" pitchFamily="34" charset="0"/>
+              </a:rPr>
               <a:t> engineering</a:t>
             </a:r>
           </a:p>
@@ -5843,27 +6093,37 @@
           <a:lstStyle/>
           <a:p>
             <a:r>
-              <a:rPr lang="fr-FR" dirty="0"/>
+              <a:rPr lang="fr-FR" dirty="0">
+                <a:latin typeface="Abadi" panose="020B0604020104020204" pitchFamily="34" charset="0"/>
+              </a:rPr>
               <a:t>Il était difficile de trouver de nouvelles </a:t>
             </a:r>
             <a:r>
-              <a:rPr lang="fr-FR" dirty="0" err="1"/>
+              <a:rPr lang="fr-FR" dirty="0" err="1">
+                <a:latin typeface="Abadi" panose="020B0604020104020204" pitchFamily="34" charset="0"/>
+              </a:rPr>
               <a:t>features</a:t>
             </a:r>
             <a:r>
-              <a:rPr lang="fr-FR" dirty="0"/>
+              <a:rPr lang="fr-FR" dirty="0">
+                <a:latin typeface="Abadi" panose="020B0604020104020204" pitchFamily="34" charset="0"/>
+              </a:rPr>
               <a:t> pour ce jeu de données, étant données que toutes les variables sont des valeurs numériques, et que toutes les dérivation possibles de ces valeurs sont déjà présente (moyenne, max, min, médiane…)</a:t>
             </a:r>
           </a:p>
           <a:p>
             <a:r>
-              <a:rPr lang="fr-FR" dirty="0"/>
+              <a:rPr lang="fr-FR" dirty="0">
+                <a:latin typeface="Abadi" panose="020B0604020104020204" pitchFamily="34" charset="0"/>
+              </a:rPr>
               <a:t>J’ai voulu rajouté pour chaque ligne le label précédent, et celui d’avant, pour chaque utilisateur. Cependant, après le test de la corrélation, ces variables avaient une corrélation très proche de 1.</a:t>
             </a:r>
           </a:p>
           <a:p>
             <a:r>
-              <a:rPr lang="fr-FR" dirty="0"/>
+              <a:rPr lang="fr-FR" dirty="0">
+                <a:latin typeface="Abadi" panose="020B0604020104020204" pitchFamily="34" charset="0"/>
+              </a:rPr>
               <a:t>De plus, en condition réel, cette variable ne serait pas connu. Même si le modèle pourrait utiliser ses prédiction précédente comme label t-1 et t-2, cela serait tricher ici, puisque ce n’est pas une prédiction mais un valeur connu.</a:t>
             </a:r>
           </a:p>
@@ -5921,7 +6181,9 @@
           <a:lstStyle/>
           <a:p>
             <a:r>
-              <a:rPr lang="fr-FR" dirty="0"/>
+              <a:rPr lang="fr-FR" dirty="0">
+                <a:latin typeface="Abadi" panose="020B0604020104020204" pitchFamily="34" charset="0"/>
+              </a:rPr>
               <a:t>Modèles de prédiction</a:t>
             </a:r>
           </a:p>
@@ -5949,18 +6211,24 @@
           <a:lstStyle/>
           <a:p>
             <a:r>
-              <a:rPr lang="fr-FR" dirty="0"/>
+              <a:rPr lang="fr-FR" dirty="0">
+                <a:latin typeface="Abadi" panose="020B0604020104020204" pitchFamily="34" charset="0"/>
+              </a:rPr>
               <a:t>Pour résoudre ce problème, j’ai testé 3 types de modèles différent. Ces 3 modèles sont des modèles de classification, car on souhaite déterminer quel type d’activité l’utilisateur est entrain de pratiquer.</a:t>
             </a:r>
           </a:p>
           <a:p>
             <a:r>
-              <a:rPr lang="fr-FR" dirty="0"/>
+              <a:rPr lang="fr-FR" dirty="0">
+                <a:latin typeface="Abadi" panose="020B0604020104020204" pitchFamily="34" charset="0"/>
+              </a:rPr>
               <a:t>Chaque modèle a été entrainé plusieurs fois afin d’obtenir la meilleur version de celui-ci.</a:t>
             </a:r>
           </a:p>
           <a:p>
-            <a:endParaRPr lang="fr-FR" dirty="0"/>
+            <a:endParaRPr lang="fr-FR" dirty="0">
+              <a:latin typeface="Abadi" panose="020B0604020104020204" pitchFamily="34" charset="0"/>
+            </a:endParaRPr>
           </a:p>
         </p:txBody>
       </p:sp>
@@ -6016,7 +6284,9 @@
           <a:lstStyle/>
           <a:p>
             <a:r>
-              <a:rPr lang="fr-FR" dirty="0"/>
+              <a:rPr lang="fr-FR" dirty="0">
+                <a:latin typeface="Abadi" panose="020B0604020104020204" pitchFamily="34" charset="0"/>
+              </a:rPr>
               <a:t>Modèle naïf</a:t>
             </a:r>
           </a:p>
@@ -6044,31 +6314,41 @@
           <a:lstStyle/>
           <a:p>
             <a:r>
-              <a:rPr lang="fr-FR" dirty="0"/>
+              <a:rPr lang="fr-FR" dirty="0">
+                <a:latin typeface="Abadi" panose="020B0604020104020204" pitchFamily="34" charset="0"/>
+              </a:rPr>
               <a:t>On utilise un modèle naïf pour comparer les résultats des autres modèles.</a:t>
             </a:r>
           </a:p>
           <a:p>
             <a:r>
-              <a:rPr lang="fr-FR" dirty="0"/>
+              <a:rPr lang="fr-FR" dirty="0">
+                <a:latin typeface="Abadi" panose="020B0604020104020204" pitchFamily="34" charset="0"/>
+              </a:rPr>
               <a:t>J’ai choisit d’utiliser un modèle qui prédit le label 6 à chaque fois.</a:t>
             </a:r>
           </a:p>
           <a:p>
             <a:r>
-              <a:rPr lang="fr-FR" dirty="0"/>
+              <a:rPr lang="fr-FR" dirty="0">
+                <a:latin typeface="Abadi" panose="020B0604020104020204" pitchFamily="34" charset="0"/>
+              </a:rPr>
               <a:t>Pour ce modèle, j’ai obtenu les résultats suivant :</a:t>
             </a:r>
           </a:p>
           <a:p>
             <a:r>
-              <a:rPr lang="fr-FR" dirty="0"/>
+              <a:rPr lang="fr-FR" dirty="0">
+                <a:latin typeface="Abadi" panose="020B0604020104020204" pitchFamily="34" charset="0"/>
+              </a:rPr>
               <a:t>MSE = 8.87</a:t>
             </a:r>
           </a:p>
           <a:p>
             <a:r>
-              <a:rPr lang="fr-FR" dirty="0"/>
+              <a:rPr lang="fr-FR" dirty="0">
+                <a:latin typeface="Abadi" panose="020B0604020104020204" pitchFamily="34" charset="0"/>
+              </a:rPr>
               <a:t>Précision = 20%</a:t>
             </a:r>
           </a:p>
